--- a/1. Lectures/Introducción a la Optimización aplicada a Sistemas de Energía Eléctrica/Dia 1/3. Julia Language.pptx
+++ b/1. Lectures/Introducción a la Optimización aplicada a Sistemas de Energía Eléctrica/Dia 1/3. Julia Language.pptx
@@ -230,7 +230,7 @@
             <a:fld id="{20597DA6-5F4F-42D3-8A01-E860A9714D40}" type="datetimeFigureOut">
               <a:rPr lang="es-ES" smtClean="0"/>
               <a:pPr/>
-              <a:t>26/02/2019</a:t>
+              <a:t>13/03/2019</a:t>
             </a:fld>
             <a:endParaRPr lang="es-ES"/>
           </a:p>
@@ -401,7 +401,7 @@
             <a:fld id="{D23D6ABD-B407-4DBB-94E4-3909D8A64036}" type="datetimeFigureOut">
               <a:rPr lang="es-ES" smtClean="0"/>
               <a:pPr/>
-              <a:t>26/02/2019</a:t>
+              <a:t>13/03/2019</a:t>
             </a:fld>
             <a:endParaRPr lang="es-ES"/>
           </a:p>
@@ -5102,8 +5102,8 @@
         </p:nvSpPr>
         <p:spPr>
           <a:xfrm>
-            <a:off x="3383691" y="355303"/>
-            <a:ext cx="2521844" cy="769441"/>
+            <a:off x="3775625" y="355303"/>
+            <a:ext cx="1737976" cy="769441"/>
           </a:xfrm>
           <a:prstGeom prst="rect">
             <a:avLst/>
@@ -5117,10 +5117,10 @@
           <a:lstStyle/>
           <a:p>
             <a:r>
-              <a:rPr lang="en-US" sz="4400" dirty="0">
+              <a:rPr lang="es-PE" sz="4400" dirty="0">
                 <a:latin typeface="Old English Text MT" panose="03040902040508030806" pitchFamily="66" charset="0"/>
               </a:rPr>
-              <a:t>Workshop</a:t>
+              <a:t>Tópico</a:t>
             </a:r>
           </a:p>
         </p:txBody>

--- a/1. Lectures/Introducción a la Optimización aplicada a Sistemas de Energía Eléctrica/Dia 1/3. Julia Language.pptx
+++ b/1. Lectures/Introducción a la Optimización aplicada a Sistemas de Energía Eléctrica/Dia 1/3. Julia Language.pptx
@@ -230,7 +230,7 @@
             <a:fld id="{20597DA6-5F4F-42D3-8A01-E860A9714D40}" type="datetimeFigureOut">
               <a:rPr lang="es-ES" smtClean="0"/>
               <a:pPr/>
-              <a:t>13/03/2019</a:t>
+              <a:t>14/03/2019</a:t>
             </a:fld>
             <a:endParaRPr lang="es-ES"/>
           </a:p>
@@ -401,7 +401,7 @@
             <a:fld id="{D23D6ABD-B407-4DBB-94E4-3909D8A64036}" type="datetimeFigureOut">
               <a:rPr lang="es-ES" smtClean="0"/>
               <a:pPr/>
-              <a:t>13/03/2019</a:t>
+              <a:t>14/03/2019</a:t>
             </a:fld>
             <a:endParaRPr lang="es-ES"/>
           </a:p>
@@ -4427,6 +4427,36 @@
             <a:ext cx="704761" cy="576064"/>
           </a:xfrm>
           <a:prstGeom prst="ellipse">
+            <a:avLst/>
+          </a:prstGeom>
+        </p:spPr>
+      </p:pic>
+      <p:pic>
+        <p:nvPicPr>
+          <p:cNvPr id="12" name="Imagen 11"/>
+          <p:cNvPicPr>
+            <a:picLocks noChangeAspect="1"/>
+          </p:cNvPicPr>
+          <p:nvPr userDrawn="1"/>
+        </p:nvPicPr>
+        <p:blipFill>
+          <a:blip r:embed="rId15" cstate="print">
+            <a:extLst>
+              <a:ext uri="{28A0092B-C50C-407E-A947-70E740481C1C}">
+                <a14:useLocalDpi xmlns:a14="http://schemas.microsoft.com/office/drawing/2010/main" val="0"/>
+              </a:ext>
+            </a:extLst>
+          </a:blip>
+          <a:stretch>
+            <a:fillRect/>
+          </a:stretch>
+        </p:blipFill>
+        <p:spPr>
+          <a:xfrm>
+            <a:off x="8390077" y="6146157"/>
+            <a:ext cx="582303" cy="539229"/>
+          </a:xfrm>
+          <a:prstGeom prst="rect">
             <a:avLst/>
           </a:prstGeom>
         </p:spPr>
@@ -4774,111 +4804,13 @@
           <a:lstStyle/>
           <a:p>
             <a:r>
-              <a:rPr lang="en-US" sz="2400" kern="1400" cap="small" dirty="0" err="1">
-                <a:solidFill>
-                  <a:schemeClr val="bg1"/>
-                </a:solidFill>
-                <a:latin typeface="Bookman Old Style" panose="02050604050505020204" pitchFamily="18" charset="0"/>
-              </a:rPr>
-              <a:t>Introducción</a:t>
-            </a:r>
-            <a:r>
               <a:rPr lang="en-US" sz="2400" kern="1400" cap="small" dirty="0">
                 <a:solidFill>
                   <a:schemeClr val="bg1"/>
                 </a:solidFill>
                 <a:latin typeface="Bookman Old Style" panose="02050604050505020204" pitchFamily="18" charset="0"/>
               </a:rPr>
-              <a:t> a la </a:t>
-            </a:r>
-            <a:r>
-              <a:rPr lang="en-US" sz="2400" kern="1400" cap="small" dirty="0" err="1">
-                <a:solidFill>
-                  <a:schemeClr val="bg1"/>
-                </a:solidFill>
-                <a:latin typeface="Bookman Old Style" panose="02050604050505020204" pitchFamily="18" charset="0"/>
-              </a:rPr>
-              <a:t>Optimización</a:t>
-            </a:r>
-            <a:r>
-              <a:rPr lang="en-US" sz="2400" kern="1400" cap="small" dirty="0">
-                <a:solidFill>
-                  <a:schemeClr val="bg1"/>
-                </a:solidFill>
-                <a:latin typeface="Bookman Old Style" panose="02050604050505020204" pitchFamily="18" charset="0"/>
-              </a:rPr>
-              <a:t> </a:t>
-            </a:r>
-            <a:br>
-              <a:rPr lang="en-US" sz="2400" kern="1400" cap="small" dirty="0">
-                <a:solidFill>
-                  <a:schemeClr val="bg1"/>
-                </a:solidFill>
-                <a:latin typeface="Bookman Old Style" panose="02050604050505020204" pitchFamily="18" charset="0"/>
-              </a:rPr>
-            </a:br>
-            <a:r>
-              <a:rPr lang="en-US" sz="2400" kern="1400" cap="small" dirty="0" err="1">
-                <a:solidFill>
-                  <a:schemeClr val="bg1"/>
-                </a:solidFill>
-                <a:latin typeface="Bookman Old Style" panose="02050604050505020204" pitchFamily="18" charset="0"/>
-              </a:rPr>
-              <a:t>en</a:t>
-            </a:r>
-            <a:r>
-              <a:rPr lang="en-US" sz="2400" kern="1400" cap="small" dirty="0">
-                <a:solidFill>
-                  <a:schemeClr val="bg1"/>
-                </a:solidFill>
-                <a:latin typeface="Bookman Old Style" panose="02050604050505020204" pitchFamily="18" charset="0"/>
-              </a:rPr>
-              <a:t> </a:t>
-            </a:r>
-            <a:r>
-              <a:rPr lang="en-US" sz="2400" kern="1400" cap="small" dirty="0" err="1">
-                <a:solidFill>
-                  <a:schemeClr val="bg1"/>
-                </a:solidFill>
-                <a:latin typeface="Bookman Old Style" panose="02050604050505020204" pitchFamily="18" charset="0"/>
-              </a:rPr>
-              <a:t>Sistemas</a:t>
-            </a:r>
-            <a:r>
-              <a:rPr lang="en-US" sz="2400" kern="1400" cap="small" dirty="0">
-                <a:solidFill>
-                  <a:schemeClr val="bg1"/>
-                </a:solidFill>
-                <a:latin typeface="Bookman Old Style" panose="02050604050505020204" pitchFamily="18" charset="0"/>
-              </a:rPr>
-              <a:t> </a:t>
-            </a:r>
-            <a:r>
-              <a:rPr lang="en-US" sz="2400" kern="1400" cap="small" dirty="0" err="1">
-                <a:solidFill>
-                  <a:schemeClr val="bg1"/>
-                </a:solidFill>
-                <a:latin typeface="Bookman Old Style" panose="02050604050505020204" pitchFamily="18" charset="0"/>
-              </a:rPr>
-              <a:t>Eléctricos</a:t>
-            </a:r>
-            <a:r>
-              <a:rPr lang="en-US" sz="2400" kern="1400" cap="small" dirty="0">
-                <a:solidFill>
-                  <a:schemeClr val="bg1"/>
-                </a:solidFill>
-                <a:latin typeface="Bookman Old Style" panose="02050604050505020204" pitchFamily="18" charset="0"/>
-              </a:rPr>
-              <a:t> de </a:t>
-            </a:r>
-            <a:r>
-              <a:rPr lang="en-US" sz="2400" kern="1400" cap="small" dirty="0" err="1">
-                <a:solidFill>
-                  <a:schemeClr val="bg1"/>
-                </a:solidFill>
-                <a:latin typeface="Bookman Old Style" panose="02050604050505020204" pitchFamily="18" charset="0"/>
-              </a:rPr>
-              <a:t>Potencia</a:t>
+              <a:t>Julia Language for Mathematical Programming</a:t>
             </a:r>
             <a:endParaRPr lang="es-ES" sz="2400" cap="small" dirty="0">
               <a:solidFill>
@@ -5547,6 +5479,114 @@
               <a:rPr lang="en-US" altLang="en-US" dirty="0"/>
               <a:t> 1</a:t>
             </a:r>
+          </a:p>
+        </p:txBody>
+      </p:sp>
+      <p:sp>
+        <p:nvSpPr>
+          <p:cNvPr id="4" name="CuadroTexto 3"/>
+          <p:cNvSpPr txBox="1"/>
+          <p:nvPr/>
+        </p:nvSpPr>
+        <p:spPr>
+          <a:xfrm>
+            <a:off x="602191" y="836712"/>
+            <a:ext cx="8002257" cy="3170099"/>
+          </a:xfrm>
+          <a:prstGeom prst="rect">
+            <a:avLst/>
+          </a:prstGeom>
+          <a:noFill/>
+        </p:spPr>
+        <p:txBody>
+          <a:bodyPr wrap="square" rtlCol="0">
+            <a:spAutoFit/>
+          </a:bodyPr>
+          <a:lstStyle/>
+          <a:p>
+            <a:pPr marL="285750" indent="-285750">
+              <a:buFont typeface="Arial" panose="020B0604020202020204" pitchFamily="34" charset="0"/>
+              <a:buChar char="•"/>
+            </a:pPr>
+            <a:r>
+              <a:rPr lang="es-MX" sz="2000" dirty="0"/>
+              <a:t>Se desean construir mesas y sillas. </a:t>
+            </a:r>
+          </a:p>
+          <a:p>
+            <a:pPr marL="285750" indent="-285750">
+              <a:buFont typeface="Arial" panose="020B0604020202020204" pitchFamily="34" charset="0"/>
+              <a:buChar char="•"/>
+            </a:pPr>
+            <a:r>
+              <a:rPr lang="es-MX" sz="2000" dirty="0"/>
+              <a:t>El recurso disponible es 30 m</a:t>
+            </a:r>
+            <a:r>
+              <a:rPr lang="es-MX" sz="2000" baseline="30000" dirty="0"/>
+              <a:t>2</a:t>
+            </a:r>
+            <a:r>
+              <a:rPr lang="es-MX" sz="2000" dirty="0"/>
+              <a:t> de madera por semana, 48 horas por semana.</a:t>
+            </a:r>
+          </a:p>
+          <a:p>
+            <a:pPr marL="285750" indent="-285750">
+              <a:buFont typeface="Arial" panose="020B0604020202020204" pitchFamily="34" charset="0"/>
+              <a:buChar char="•"/>
+            </a:pPr>
+            <a:r>
+              <a:rPr lang="es-MX" sz="2000" dirty="0"/>
+              <a:t>La demanda de las sillas es de 5 unidades y la de mesas de 10 unidades.</a:t>
+            </a:r>
+          </a:p>
+          <a:p>
+            <a:pPr marL="285750" indent="-285750">
+              <a:buFont typeface="Arial" panose="020B0604020202020204" pitchFamily="34" charset="0"/>
+              <a:buChar char="•"/>
+            </a:pPr>
+            <a:r>
+              <a:rPr lang="es-MX" sz="2000" dirty="0"/>
+              <a:t>La utilidad que se obtiene por las mesas es de $10 y por las sillas de $8, además para construir la mesa utiliza lo siguiente: 4.5 m</a:t>
+            </a:r>
+            <a:r>
+              <a:rPr lang="es-MX" sz="2000" baseline="30000" dirty="0"/>
+              <a:t>2</a:t>
+            </a:r>
+            <a:r>
+              <a:rPr lang="es-MX" sz="2000" dirty="0"/>
+              <a:t> de madera por unidad, 6 horas por unidad.</a:t>
+            </a:r>
+          </a:p>
+          <a:p>
+            <a:pPr marL="285750" indent="-285750">
+              <a:buFont typeface="Arial" panose="020B0604020202020204" pitchFamily="34" charset="0"/>
+              <a:buChar char="•"/>
+            </a:pPr>
+            <a:r>
+              <a:rPr lang="es-MX" sz="2000" dirty="0"/>
+              <a:t>Para la silla se ocupan: 1.5 m</a:t>
+            </a:r>
+            <a:r>
+              <a:rPr lang="es-MX" sz="2000" baseline="30000" dirty="0"/>
+              <a:t>2</a:t>
+            </a:r>
+            <a:r>
+              <a:rPr lang="es-MX" sz="2000" dirty="0"/>
+              <a:t> de madera por unidad y 3 horas por cada unidad fabricada.</a:t>
+            </a:r>
+          </a:p>
+          <a:p>
+            <a:pPr marL="285750" indent="-285750">
+              <a:buFont typeface="Arial" panose="020B0604020202020204" pitchFamily="34" charset="0"/>
+              <a:buChar char="•"/>
+            </a:pPr>
+            <a:r>
+              <a:rPr lang="es-MX" sz="2000" dirty="0"/>
+              <a:t>¿Cuántas sillas y mesas construyo con el fin de obtener la máxima utilidad por semana?  </a:t>
+            </a:r>
+            <a:endParaRPr lang="es-PE" sz="2000" dirty="0"/>
           </a:p>
         </p:txBody>
       </p:sp>
